--- a/论文图片.pptx
+++ b/论文图片.pptx
@@ -5,7 +5,7 @@
     <p:sldMasterId id="2147483648" r:id="rId1"/>
   </p:sldMasterIdLst>
   <p:notesMasterIdLst>
-    <p:notesMasterId r:id="rId22"/>
+    <p:notesMasterId r:id="rId25"/>
   </p:notesMasterIdLst>
   <p:sldIdLst>
     <p:sldId id="256" r:id="rId2"/>
@@ -28,11 +28,14 @@
     <p:sldId id="400" r:id="rId19"/>
     <p:sldId id="401" r:id="rId20"/>
     <p:sldId id="402" r:id="rId21"/>
+    <p:sldId id="403" r:id="rId22"/>
+    <p:sldId id="404" r:id="rId23"/>
+    <p:sldId id="405" r:id="rId24"/>
   </p:sldIdLst>
   <p:sldSz cx="12192000" cy="6858000"/>
   <p:notesSz cx="6858000" cy="9144000"/>
   <p:custDataLst>
-    <p:tags r:id="rId23"/>
+    <p:tags r:id="rId26"/>
   </p:custDataLst>
   <p:defaultTextStyle>
     <a:defPPr>
@@ -697,7 +700,7 @@
           <a:p>
             <a:fld id="{8283AA3F-A82B-43BF-B18C-5608A05C57EB}" type="datetimeFigureOut">
               <a:rPr lang="zh-CN" altLang="en-US" smtClean="0"/>
-              <a:t>2025/12/24</a:t>
+              <a:t>2025/12/25</a:t>
             </a:fld>
             <a:endParaRPr lang="zh-CN" altLang="en-US"/>
           </a:p>
@@ -1348,7 +1351,7 @@
           <a:p>
             <a:fld id="{71AB7A37-B852-49AB-B2E2-96296AB21F67}" type="datetimeFigureOut">
               <a:rPr lang="zh-CN" altLang="en-US" smtClean="0"/>
-              <a:t>2025/12/24</a:t>
+              <a:t>2025/12/25</a:t>
             </a:fld>
             <a:endParaRPr lang="zh-CN" altLang="en-US"/>
           </a:p>
@@ -1511,7 +1514,7 @@
           <a:p>
             <a:fld id="{71AB7A37-B852-49AB-B2E2-96296AB21F67}" type="datetimeFigureOut">
               <a:rPr lang="zh-CN" altLang="en-US" smtClean="0"/>
-              <a:t>2025/12/24</a:t>
+              <a:t>2025/12/25</a:t>
             </a:fld>
             <a:endParaRPr lang="zh-CN" altLang="en-US"/>
           </a:p>
@@ -1684,7 +1687,7 @@
           <a:p>
             <a:fld id="{71AB7A37-B852-49AB-B2E2-96296AB21F67}" type="datetimeFigureOut">
               <a:rPr lang="zh-CN" altLang="en-US" smtClean="0"/>
-              <a:t>2025/12/24</a:t>
+              <a:t>2025/12/25</a:t>
             </a:fld>
             <a:endParaRPr lang="zh-CN" altLang="en-US"/>
           </a:p>
@@ -1847,7 +1850,7 @@
           <a:p>
             <a:fld id="{71AB7A37-B852-49AB-B2E2-96296AB21F67}" type="datetimeFigureOut">
               <a:rPr lang="zh-CN" altLang="en-US" smtClean="0"/>
-              <a:t>2025/12/24</a:t>
+              <a:t>2025/12/25</a:t>
             </a:fld>
             <a:endParaRPr lang="zh-CN" altLang="en-US"/>
           </a:p>
@@ -2087,7 +2090,7 @@
           <a:p>
             <a:fld id="{71AB7A37-B852-49AB-B2E2-96296AB21F67}" type="datetimeFigureOut">
               <a:rPr lang="zh-CN" altLang="en-US" smtClean="0"/>
-              <a:t>2025/12/24</a:t>
+              <a:t>2025/12/25</a:t>
             </a:fld>
             <a:endParaRPr lang="zh-CN" altLang="en-US"/>
           </a:p>
@@ -2311,7 +2314,7 @@
           <a:p>
             <a:fld id="{71AB7A37-B852-49AB-B2E2-96296AB21F67}" type="datetimeFigureOut">
               <a:rPr lang="zh-CN" altLang="en-US" smtClean="0"/>
-              <a:t>2025/12/24</a:t>
+              <a:t>2025/12/25</a:t>
             </a:fld>
             <a:endParaRPr lang="zh-CN" altLang="en-US"/>
           </a:p>
@@ -2670,7 +2673,7 @@
           <a:p>
             <a:fld id="{71AB7A37-B852-49AB-B2E2-96296AB21F67}" type="datetimeFigureOut">
               <a:rPr lang="zh-CN" altLang="en-US" smtClean="0"/>
-              <a:t>2025/12/24</a:t>
+              <a:t>2025/12/25</a:t>
             </a:fld>
             <a:endParaRPr lang="zh-CN" altLang="en-US"/>
           </a:p>
@@ -2782,7 +2785,7 @@
           <a:p>
             <a:fld id="{71AB7A37-B852-49AB-B2E2-96296AB21F67}" type="datetimeFigureOut">
               <a:rPr lang="zh-CN" altLang="en-US" smtClean="0"/>
-              <a:t>2025/12/24</a:t>
+              <a:t>2025/12/25</a:t>
             </a:fld>
             <a:endParaRPr lang="zh-CN" altLang="en-US"/>
           </a:p>
@@ -2872,7 +2875,7 @@
           <a:p>
             <a:fld id="{71AB7A37-B852-49AB-B2E2-96296AB21F67}" type="datetimeFigureOut">
               <a:rPr lang="zh-CN" altLang="en-US" smtClean="0"/>
-              <a:t>2025/12/24</a:t>
+              <a:t>2025/12/25</a:t>
             </a:fld>
             <a:endParaRPr lang="zh-CN" altLang="en-US"/>
           </a:p>
@@ -3142,7 +3145,7 @@
           <a:p>
             <a:fld id="{71AB7A37-B852-49AB-B2E2-96296AB21F67}" type="datetimeFigureOut">
               <a:rPr lang="zh-CN" altLang="en-US" smtClean="0"/>
-              <a:t>2025/12/24</a:t>
+              <a:t>2025/12/25</a:t>
             </a:fld>
             <a:endParaRPr lang="zh-CN" altLang="en-US"/>
           </a:p>
@@ -3389,7 +3392,7 @@
           <a:p>
             <a:fld id="{71AB7A37-B852-49AB-B2E2-96296AB21F67}" type="datetimeFigureOut">
               <a:rPr lang="zh-CN" altLang="en-US" smtClean="0"/>
-              <a:t>2025/12/24</a:t>
+              <a:t>2025/12/25</a:t>
             </a:fld>
             <a:endParaRPr lang="zh-CN" altLang="en-US"/>
           </a:p>
@@ -3604,7 +3607,7 @@
           <a:p>
             <a:fld id="{71AB7A37-B852-49AB-B2E2-96296AB21F67}" type="datetimeFigureOut">
               <a:rPr lang="zh-CN" altLang="en-US" smtClean="0"/>
-              <a:t>2025/12/24</a:t>
+              <a:t>2025/12/25</a:t>
             </a:fld>
             <a:endParaRPr lang="zh-CN" altLang="en-US"/>
           </a:p>
@@ -21914,7 +21917,7 @@
         </p:blipFill>
         <p:spPr>
           <a:xfrm>
-            <a:off x="895014" y="372795"/>
+            <a:off x="696000" y="343612"/>
             <a:ext cx="5400000" cy="3228387"/>
           </a:xfrm>
           <a:prstGeom prst="rect">
@@ -21926,6 +21929,477 @@
     <p:extLst>
       <p:ext uri="{BB962C8B-B14F-4D97-AF65-F5344CB8AC3E}">
         <p14:creationId xmlns:p14="http://schemas.microsoft.com/office/powerpoint/2010/main" val="3645299609"/>
+      </p:ext>
+    </p:extLst>
+  </p:cSld>
+  <p:clrMapOvr>
+    <a:masterClrMapping/>
+  </p:clrMapOvr>
+</p:sld>
+</file>
+
+<file path=ppt/slides/slide21.xml><?xml version="1.0" encoding="utf-8"?>
+<p:sld xmlns:a="http://schemas.openxmlformats.org/drawingml/2006/main" xmlns:r="http://schemas.openxmlformats.org/officeDocument/2006/relationships" xmlns:p="http://schemas.openxmlformats.org/presentationml/2006/main">
+  <p:cSld>
+    <p:bg>
+      <p:bgPr>
+        <a:solidFill>
+          <a:schemeClr val="bg1"/>
+        </a:solidFill>
+        <a:effectLst/>
+      </p:bgPr>
+    </p:bg>
+    <p:spTree>
+      <p:nvGrpSpPr>
+        <p:cNvPr id="1" name=""/>
+        <p:cNvGrpSpPr/>
+        <p:nvPr/>
+      </p:nvGrpSpPr>
+      <p:grpSpPr>
+        <a:xfrm>
+          <a:off x="0" y="0"/>
+          <a:ext cx="0" cy="0"/>
+          <a:chOff x="0" y="0"/>
+          <a:chExt cx="0" cy="0"/>
+        </a:xfrm>
+      </p:grpSpPr>
+    </p:spTree>
+    <p:extLst>
+      <p:ext uri="{BB962C8B-B14F-4D97-AF65-F5344CB8AC3E}">
+        <p14:creationId xmlns:p14="http://schemas.microsoft.com/office/powerpoint/2010/main" val="4176118289"/>
+      </p:ext>
+    </p:extLst>
+  </p:cSld>
+  <p:clrMapOvr>
+    <a:masterClrMapping/>
+  </p:clrMapOvr>
+</p:sld>
+</file>
+
+<file path=ppt/slides/slide22.xml><?xml version="1.0" encoding="utf-8"?>
+<p:sld xmlns:a="http://schemas.openxmlformats.org/drawingml/2006/main" xmlns:r="http://schemas.openxmlformats.org/officeDocument/2006/relationships" xmlns:p="http://schemas.openxmlformats.org/presentationml/2006/main">
+  <p:cSld>
+    <p:bg>
+      <p:bgPr>
+        <a:solidFill>
+          <a:schemeClr val="bg1"/>
+        </a:solidFill>
+        <a:effectLst/>
+      </p:bgPr>
+    </p:bg>
+    <p:spTree>
+      <p:nvGrpSpPr>
+        <p:cNvPr id="1" name="">
+          <a:extLst>
+            <a:ext uri="{FF2B5EF4-FFF2-40B4-BE49-F238E27FC236}">
+              <a16:creationId xmlns:a16="http://schemas.microsoft.com/office/drawing/2014/main" id="{87A369B2-C435-1AC6-4BC4-6E259134974C}"/>
+            </a:ext>
+          </a:extLst>
+        </p:cNvPr>
+        <p:cNvGrpSpPr/>
+        <p:nvPr/>
+      </p:nvGrpSpPr>
+      <p:grpSpPr>
+        <a:xfrm>
+          <a:off x="0" y="0"/>
+          <a:ext cx="0" cy="0"/>
+          <a:chOff x="0" y="0"/>
+          <a:chExt cx="0" cy="0"/>
+        </a:xfrm>
+      </p:grpSpPr>
+    </p:spTree>
+    <p:extLst>
+      <p:ext uri="{BB962C8B-B14F-4D97-AF65-F5344CB8AC3E}">
+        <p14:creationId xmlns:p14="http://schemas.microsoft.com/office/powerpoint/2010/main" val="1585914122"/>
+      </p:ext>
+    </p:extLst>
+  </p:cSld>
+  <p:clrMapOvr>
+    <a:masterClrMapping/>
+  </p:clrMapOvr>
+</p:sld>
+</file>
+
+<file path=ppt/slides/slide23.xml><?xml version="1.0" encoding="utf-8"?>
+<p:sld xmlns:a="http://schemas.openxmlformats.org/drawingml/2006/main" xmlns:r="http://schemas.openxmlformats.org/officeDocument/2006/relationships" xmlns:p="http://schemas.openxmlformats.org/presentationml/2006/main">
+  <p:cSld>
+    <p:bg>
+      <p:bgPr>
+        <a:solidFill>
+          <a:schemeClr val="bg1"/>
+        </a:solidFill>
+        <a:effectLst/>
+      </p:bgPr>
+    </p:bg>
+    <p:spTree>
+      <p:nvGrpSpPr>
+        <p:cNvPr id="1" name="">
+          <a:extLst>
+            <a:ext uri="{FF2B5EF4-FFF2-40B4-BE49-F238E27FC236}">
+              <a16:creationId xmlns:a16="http://schemas.microsoft.com/office/drawing/2014/main" id="{60021CAD-C41D-4561-BD34-6795A7F62301}"/>
+            </a:ext>
+          </a:extLst>
+        </p:cNvPr>
+        <p:cNvGrpSpPr/>
+        <p:nvPr/>
+      </p:nvGrpSpPr>
+      <p:grpSpPr>
+        <a:xfrm>
+          <a:off x="0" y="0"/>
+          <a:ext cx="0" cy="0"/>
+          <a:chOff x="0" y="0"/>
+          <a:chExt cx="0" cy="0"/>
+        </a:xfrm>
+      </p:grpSpPr>
+      <p:grpSp>
+        <p:nvGrpSpPr>
+          <p:cNvPr id="9" name="组合 8">
+            <a:extLst>
+              <a:ext uri="{FF2B5EF4-FFF2-40B4-BE49-F238E27FC236}">
+                <a16:creationId xmlns:a16="http://schemas.microsoft.com/office/drawing/2014/main" id="{291903D7-B8BD-9B8F-897E-D906371093B9}"/>
+              </a:ext>
+            </a:extLst>
+          </p:cNvPr>
+          <p:cNvGrpSpPr/>
+          <p:nvPr/>
+        </p:nvGrpSpPr>
+        <p:grpSpPr>
+          <a:xfrm>
+            <a:off x="412310" y="461961"/>
+            <a:ext cx="9344025" cy="5019675"/>
+            <a:chOff x="412310" y="461961"/>
+            <a:chExt cx="9344025" cy="5019675"/>
+          </a:xfrm>
+        </p:grpSpPr>
+        <p:pic>
+          <p:nvPicPr>
+            <p:cNvPr id="3" name="图片 2">
+              <a:extLst>
+                <a:ext uri="{FF2B5EF4-FFF2-40B4-BE49-F238E27FC236}">
+                  <a16:creationId xmlns:a16="http://schemas.microsoft.com/office/drawing/2014/main" id="{C9C91542-D053-4E29-5447-FB1BF8B6B0EF}"/>
+                </a:ext>
+              </a:extLst>
+            </p:cNvPr>
+            <p:cNvPicPr>
+              <a:picLocks noChangeAspect="1"/>
+            </p:cNvPicPr>
+            <p:nvPr/>
+          </p:nvPicPr>
+          <p:blipFill>
+            <a:blip r:embed="rId2">
+              <a:extLst>
+                <a:ext uri="{28A0092B-C50C-407E-A947-70E740481C1C}">
+                  <a14:useLocalDpi xmlns:a14="http://schemas.microsoft.com/office/drawing/2010/main" val="0"/>
+                </a:ext>
+              </a:extLst>
+            </a:blip>
+            <a:stretch>
+              <a:fillRect/>
+            </a:stretch>
+          </p:blipFill>
+          <p:spPr>
+            <a:xfrm>
+              <a:off x="412310" y="461961"/>
+              <a:ext cx="9344025" cy="5019675"/>
+            </a:xfrm>
+            <a:prstGeom prst="rect">
+              <a:avLst/>
+            </a:prstGeom>
+          </p:spPr>
+        </p:pic>
+        <p:sp>
+          <p:nvSpPr>
+            <p:cNvPr id="5" name="椭圆 4">
+              <a:extLst>
+                <a:ext uri="{FF2B5EF4-FFF2-40B4-BE49-F238E27FC236}">
+                  <a16:creationId xmlns:a16="http://schemas.microsoft.com/office/drawing/2014/main" id="{2D39F46A-3AD0-43FC-D76C-ECBC463EF55A}"/>
+                </a:ext>
+              </a:extLst>
+            </p:cNvPr>
+            <p:cNvSpPr/>
+            <p:nvPr/>
+          </p:nvSpPr>
+          <p:spPr>
+            <a:xfrm>
+              <a:off x="2363822" y="2329774"/>
+              <a:ext cx="398834" cy="418289"/>
+            </a:xfrm>
+            <a:prstGeom prst="ellipse">
+              <a:avLst/>
+            </a:prstGeom>
+            <a:solidFill>
+              <a:schemeClr val="bg1">
+                <a:lumMod val="65000"/>
+              </a:schemeClr>
+            </a:solidFill>
+            <a:ln w="38100">
+              <a:solidFill>
+                <a:srgbClr val="C00000"/>
+              </a:solidFill>
+            </a:ln>
+          </p:spPr>
+          <p:style>
+            <a:lnRef idx="2">
+              <a:schemeClr val="accent1">
+                <a:shade val="15000"/>
+              </a:schemeClr>
+            </a:lnRef>
+            <a:fillRef idx="1">
+              <a:schemeClr val="accent1"/>
+            </a:fillRef>
+            <a:effectRef idx="0">
+              <a:schemeClr val="accent1"/>
+            </a:effectRef>
+            <a:fontRef idx="minor">
+              <a:schemeClr val="lt1"/>
+            </a:fontRef>
+          </p:style>
+          <p:txBody>
+            <a:bodyPr rtlCol="0" anchor="ctr"/>
+            <a:lstStyle/>
+            <a:p>
+              <a:pPr algn="ctr"/>
+              <a:r>
+                <a:rPr lang="en-US" altLang="zh-CN" sz="3200" b="1" dirty="0">
+                  <a:solidFill>
+                    <a:srgbClr val="FF0000"/>
+                  </a:solidFill>
+                  <a:latin typeface="Times New Roman" panose="02020603050405020304" pitchFamily="18" charset="0"/>
+                  <a:cs typeface="Times New Roman" panose="02020603050405020304" pitchFamily="18" charset="0"/>
+                </a:rPr>
+                <a:t>1</a:t>
+              </a:r>
+              <a:endParaRPr lang="zh-CN" altLang="en-US" sz="3200" b="1" dirty="0">
+                <a:solidFill>
+                  <a:srgbClr val="FF0000"/>
+                </a:solidFill>
+                <a:latin typeface="Times New Roman" panose="02020603050405020304" pitchFamily="18" charset="0"/>
+                <a:cs typeface="Times New Roman" panose="02020603050405020304" pitchFamily="18" charset="0"/>
+              </a:endParaRPr>
+            </a:p>
+          </p:txBody>
+        </p:sp>
+        <p:sp>
+          <p:nvSpPr>
+            <p:cNvPr id="6" name="椭圆 5">
+              <a:extLst>
+                <a:ext uri="{FF2B5EF4-FFF2-40B4-BE49-F238E27FC236}">
+                  <a16:creationId xmlns:a16="http://schemas.microsoft.com/office/drawing/2014/main" id="{1D5EADD9-1582-27B2-B85A-CED4D292484E}"/>
+                </a:ext>
+              </a:extLst>
+            </p:cNvPr>
+            <p:cNvSpPr/>
+            <p:nvPr/>
+          </p:nvSpPr>
+          <p:spPr>
+            <a:xfrm>
+              <a:off x="3566810" y="2971798"/>
+              <a:ext cx="398834" cy="418289"/>
+            </a:xfrm>
+            <a:prstGeom prst="ellipse">
+              <a:avLst/>
+            </a:prstGeom>
+            <a:solidFill>
+              <a:schemeClr val="bg1">
+                <a:lumMod val="65000"/>
+              </a:schemeClr>
+            </a:solidFill>
+            <a:ln w="38100">
+              <a:solidFill>
+                <a:srgbClr val="C00000"/>
+              </a:solidFill>
+            </a:ln>
+          </p:spPr>
+          <p:style>
+            <a:lnRef idx="2">
+              <a:schemeClr val="accent1">
+                <a:shade val="15000"/>
+              </a:schemeClr>
+            </a:lnRef>
+            <a:fillRef idx="1">
+              <a:schemeClr val="accent1"/>
+            </a:fillRef>
+            <a:effectRef idx="0">
+              <a:schemeClr val="accent1"/>
+            </a:effectRef>
+            <a:fontRef idx="minor">
+              <a:schemeClr val="lt1"/>
+            </a:fontRef>
+          </p:style>
+          <p:txBody>
+            <a:bodyPr rtlCol="0" anchor="ctr"/>
+            <a:lstStyle/>
+            <a:p>
+              <a:pPr algn="ctr"/>
+              <a:r>
+                <a:rPr lang="en-US" altLang="zh-CN" sz="3200" b="1" dirty="0">
+                  <a:solidFill>
+                    <a:srgbClr val="FF0000"/>
+                  </a:solidFill>
+                  <a:latin typeface="Times New Roman" panose="02020603050405020304" pitchFamily="18" charset="0"/>
+                  <a:cs typeface="Times New Roman" panose="02020603050405020304" pitchFamily="18" charset="0"/>
+                </a:rPr>
+                <a:t>2</a:t>
+              </a:r>
+              <a:endParaRPr lang="zh-CN" altLang="en-US" sz="3200" b="1" dirty="0">
+                <a:solidFill>
+                  <a:srgbClr val="FF0000"/>
+                </a:solidFill>
+                <a:latin typeface="Times New Roman" panose="02020603050405020304" pitchFamily="18" charset="0"/>
+                <a:cs typeface="Times New Roman" panose="02020603050405020304" pitchFamily="18" charset="0"/>
+              </a:endParaRPr>
+            </a:p>
+          </p:txBody>
+        </p:sp>
+        <p:sp>
+          <p:nvSpPr>
+            <p:cNvPr id="7" name="椭圆 6">
+              <a:extLst>
+                <a:ext uri="{FF2B5EF4-FFF2-40B4-BE49-F238E27FC236}">
+                  <a16:creationId xmlns:a16="http://schemas.microsoft.com/office/drawing/2014/main" id="{C4D47463-3FDF-97ED-F069-D8127A9B4EA2}"/>
+                </a:ext>
+              </a:extLst>
+            </p:cNvPr>
+            <p:cNvSpPr/>
+            <p:nvPr/>
+          </p:nvSpPr>
+          <p:spPr>
+            <a:xfrm>
+              <a:off x="5210783" y="2238982"/>
+              <a:ext cx="398834" cy="418289"/>
+            </a:xfrm>
+            <a:prstGeom prst="ellipse">
+              <a:avLst/>
+            </a:prstGeom>
+            <a:solidFill>
+              <a:schemeClr val="bg1">
+                <a:lumMod val="65000"/>
+              </a:schemeClr>
+            </a:solidFill>
+            <a:ln w="38100">
+              <a:solidFill>
+                <a:srgbClr val="C00000"/>
+              </a:solidFill>
+            </a:ln>
+          </p:spPr>
+          <p:style>
+            <a:lnRef idx="2">
+              <a:schemeClr val="accent1">
+                <a:shade val="15000"/>
+              </a:schemeClr>
+            </a:lnRef>
+            <a:fillRef idx="1">
+              <a:schemeClr val="accent1"/>
+            </a:fillRef>
+            <a:effectRef idx="0">
+              <a:schemeClr val="accent1"/>
+            </a:effectRef>
+            <a:fontRef idx="minor">
+              <a:schemeClr val="lt1"/>
+            </a:fontRef>
+          </p:style>
+          <p:txBody>
+            <a:bodyPr rtlCol="0" anchor="ctr"/>
+            <a:lstStyle/>
+            <a:p>
+              <a:pPr algn="ctr"/>
+              <a:r>
+                <a:rPr lang="en-US" altLang="zh-CN" sz="3200" b="1" dirty="0">
+                  <a:solidFill>
+                    <a:srgbClr val="FF0000"/>
+                  </a:solidFill>
+                  <a:latin typeface="Times New Roman" panose="02020603050405020304" pitchFamily="18" charset="0"/>
+                  <a:cs typeface="Times New Roman" panose="02020603050405020304" pitchFamily="18" charset="0"/>
+                </a:rPr>
+                <a:t>3</a:t>
+              </a:r>
+              <a:endParaRPr lang="zh-CN" altLang="en-US" sz="3200" b="1" dirty="0">
+                <a:solidFill>
+                  <a:srgbClr val="FF0000"/>
+                </a:solidFill>
+                <a:latin typeface="Times New Roman" panose="02020603050405020304" pitchFamily="18" charset="0"/>
+                <a:cs typeface="Times New Roman" panose="02020603050405020304" pitchFamily="18" charset="0"/>
+              </a:endParaRPr>
+            </a:p>
+          </p:txBody>
+        </p:sp>
+        <p:sp>
+          <p:nvSpPr>
+            <p:cNvPr id="8" name="椭圆 7">
+              <a:extLst>
+                <a:ext uri="{FF2B5EF4-FFF2-40B4-BE49-F238E27FC236}">
+                  <a16:creationId xmlns:a16="http://schemas.microsoft.com/office/drawing/2014/main" id="{CE9095F1-4245-7633-D5AB-1CA97772811B}"/>
+                </a:ext>
+              </a:extLst>
+            </p:cNvPr>
+            <p:cNvSpPr/>
+            <p:nvPr/>
+          </p:nvSpPr>
+          <p:spPr>
+            <a:xfrm>
+              <a:off x="7084725" y="2553509"/>
+              <a:ext cx="398834" cy="418289"/>
+            </a:xfrm>
+            <a:prstGeom prst="ellipse">
+              <a:avLst/>
+            </a:prstGeom>
+            <a:solidFill>
+              <a:schemeClr val="bg1">
+                <a:lumMod val="65000"/>
+              </a:schemeClr>
+            </a:solidFill>
+            <a:ln w="38100">
+              <a:solidFill>
+                <a:srgbClr val="C00000"/>
+              </a:solidFill>
+            </a:ln>
+          </p:spPr>
+          <p:style>
+            <a:lnRef idx="2">
+              <a:schemeClr val="accent1">
+                <a:shade val="15000"/>
+              </a:schemeClr>
+            </a:lnRef>
+            <a:fillRef idx="1">
+              <a:schemeClr val="accent1"/>
+            </a:fillRef>
+            <a:effectRef idx="0">
+              <a:schemeClr val="accent1"/>
+            </a:effectRef>
+            <a:fontRef idx="minor">
+              <a:schemeClr val="lt1"/>
+            </a:fontRef>
+          </p:style>
+          <p:txBody>
+            <a:bodyPr rtlCol="0" anchor="ctr"/>
+            <a:lstStyle/>
+            <a:p>
+              <a:pPr algn="ctr"/>
+              <a:r>
+                <a:rPr lang="en-US" altLang="zh-CN" sz="3200" b="1" dirty="0">
+                  <a:solidFill>
+                    <a:srgbClr val="FF0000"/>
+                  </a:solidFill>
+                  <a:latin typeface="Times New Roman" panose="02020603050405020304" pitchFamily="18" charset="0"/>
+                  <a:cs typeface="Times New Roman" panose="02020603050405020304" pitchFamily="18" charset="0"/>
+                </a:rPr>
+                <a:t>4</a:t>
+              </a:r>
+              <a:endParaRPr lang="zh-CN" altLang="en-US" sz="3200" b="1" dirty="0">
+                <a:solidFill>
+                  <a:srgbClr val="FF0000"/>
+                </a:solidFill>
+                <a:latin typeface="Times New Roman" panose="02020603050405020304" pitchFamily="18" charset="0"/>
+                <a:cs typeface="Times New Roman" panose="02020603050405020304" pitchFamily="18" charset="0"/>
+              </a:endParaRPr>
+            </a:p>
+          </p:txBody>
+        </p:sp>
+      </p:grpSp>
+    </p:spTree>
+    <p:extLst>
+      <p:ext uri="{BB962C8B-B14F-4D97-AF65-F5344CB8AC3E}">
+        <p14:creationId xmlns:p14="http://schemas.microsoft.com/office/powerpoint/2010/main" val="2371053635"/>
       </p:ext>
     </p:extLst>
   </p:cSld>
